--- a/课程PPT/35.ES6模块化开发.pptx
+++ b/课程PPT/35.ES6模块化开发.pptx
@@ -2904,16 +2904,10 @@
               <a:t>---</a:t>
             </a:r>
             <a:r>
-              <a:rPr>
-                <a:sym typeface="+mn-ea"/>
-              </a:rPr>
-              <a:t>ES6</a:t>
-            </a:r>
-            <a:r>
               <a:rPr lang="zh-CN">
                 <a:sym typeface="+mn-ea"/>
               </a:rPr>
-              <a:t>迭代器与生成器</a:t>
+              <a:t>ES6模块化开发</a:t>
             </a:r>
             <a:endParaRPr lang="zh-CN">
               <a:sym typeface="+mn-ea"/>
@@ -3178,14 +3172,6 @@
               </a:rPr>
               <a:t>ES6 </a:t>
             </a:r>
-            <a:r>
-              <a:rPr lang="zh-CN" altLang="en-US" sz="2800" b="1">
-                <a:solidFill>
-                  <a:srgbClr val="FF0000"/>
-                </a:solidFill>
-              </a:rPr>
-              <a:t>新增</a:t>
-            </a:r>
             <a:endParaRPr lang="en-US" altLang="zh-CN" sz="2800" b="1">
               <a:solidFill>
                 <a:srgbClr val="FF0000"/>
@@ -3218,15 +3204,6 @@
               </a:rPr>
               <a:t>ES6 </a:t>
             </a:r>
-            <a:r>
-              <a:rPr lang="zh-CN" altLang="en-US" sz="2800" b="1">
-                <a:solidFill>
-                  <a:schemeClr val="tx1"/>
-                </a:solidFill>
-                <a:sym typeface="+mn-ea"/>
-              </a:rPr>
-              <a:t>对函</a:t>
-            </a:r>
             <a:endParaRPr lang="zh-CN" altLang="en-US" sz="2800" b="1">
               <a:solidFill>
                 <a:schemeClr val="tx1"/>
@@ -3254,10 +3231,6 @@
             <a:r>
               <a:rPr lang="en-US" altLang="zh-CN" sz="2800" b="1"/>
               <a:t>ES6 </a:t>
-            </a:r>
-            <a:r>
-              <a:rPr lang="zh-CN" altLang="en-US" sz="2800" b="1"/>
-              <a:t>中的</a:t>
             </a:r>
             <a:endParaRPr lang="en-US" altLang="zh-CN" sz="2800" b="1"/>
           </a:p>
